--- a/Springmaterial/ppts/AOP.pptx
+++ b/Springmaterial/ppts/AOP.pptx
@@ -218,7 +218,7 @@
           <a:p>
             <a:fld id="{CA3F8CE6-B546-4622-B006-62D12733F947}" type="datetimeFigureOut">
               <a:rPr lang="en-IN" smtClean="0"/>
-              <a:t>28-01-2020</a:t>
+              <a:t>04-02-2022</a:t>
             </a:fld>
             <a:endParaRPr lang="en-IN"/>
           </a:p>
@@ -707,9 +707,9 @@
           <a:bodyPr/>
           <a:lstStyle/>
           <a:p>
-            <a:fld id="{F5EE01B8-AEF8-4DC5-9412-7F2FA684460F}" type="datetime1">
+            <a:fld id="{91818F15-70B9-4974-A2E0-8944272E3235}" type="datetime1">
               <a:rPr lang="en-US" smtClean="0"/>
-              <a:t>1/28/2020</a:t>
+              <a:t>2/4/2022</a:t>
             </a:fld>
             <a:endParaRPr lang="en-US"/>
           </a:p>
@@ -737,7 +737,7 @@
           <a:p>
             <a:r>
               <a:rPr lang="en-US"/>
-              <a:t>Affable Learning</a:t>
+              <a:t>Prepared By Radha V Krishna</a:t>
             </a:r>
           </a:p>
         </p:txBody>
@@ -953,9 +953,9 @@
           <a:bodyPr/>
           <a:lstStyle/>
           <a:p>
-            <a:fld id="{D683F4E3-75AD-4B0D-9F8E-FD1DA6D5441A}" type="datetime1">
+            <a:fld id="{878D5B33-F967-40A5-A2B6-069BDC9F2AE7}" type="datetime1">
               <a:rPr lang="en-US" smtClean="0"/>
-              <a:t>1/28/2020</a:t>
+              <a:t>2/4/2022</a:t>
             </a:fld>
             <a:endParaRPr lang="en-US"/>
           </a:p>
@@ -978,7 +978,7 @@
           <a:p>
             <a:r>
               <a:rPr lang="en-US"/>
-              <a:t>Affable Learning</a:t>
+              <a:t>Prepared By Radha V Krishna</a:t>
             </a:r>
           </a:p>
         </p:txBody>
@@ -1141,9 +1141,9 @@
           <a:bodyPr/>
           <a:lstStyle/>
           <a:p>
-            <a:fld id="{E73F8A24-6ED7-4584-9C1A-AA113EF59116}" type="datetime1">
+            <a:fld id="{A5AA8B69-A9EC-49FA-8B14-722935406A80}" type="datetime1">
               <a:rPr lang="en-US" smtClean="0"/>
-              <a:t>1/28/2020</a:t>
+              <a:t>2/4/2022</a:t>
             </a:fld>
             <a:endParaRPr lang="en-US"/>
           </a:p>
@@ -1166,7 +1166,7 @@
           <a:p>
             <a:r>
               <a:rPr lang="en-US"/>
-              <a:t>Affable Learning</a:t>
+              <a:t>Prepared By Radha V Krishna</a:t>
             </a:r>
           </a:p>
         </p:txBody>
@@ -1346,9 +1346,9 @@
           <a:bodyPr/>
           <a:lstStyle/>
           <a:p>
-            <a:fld id="{645EB08D-3F57-4CE1-B7AF-341079F4F9FF}" type="datetime1">
+            <a:fld id="{1D5A44F5-E856-41BC-B0F0-10DE48DAF329}" type="datetime1">
               <a:rPr lang="en-US" smtClean="0"/>
-              <a:t>1/28/2020</a:t>
+              <a:t>2/4/2022</a:t>
             </a:fld>
             <a:endParaRPr lang="en-US"/>
           </a:p>
@@ -1371,7 +1371,7 @@
           <a:p>
             <a:r>
               <a:rPr lang="en-US"/>
-              <a:t>Affable Learning</a:t>
+              <a:t>Prepared By Radha V Krishna</a:t>
             </a:r>
           </a:p>
         </p:txBody>
@@ -1629,9 +1629,9 @@
           <a:bodyPr/>
           <a:lstStyle/>
           <a:p>
-            <a:fld id="{F4D3F317-A10B-4357-A42A-B424E51C1531}" type="datetime1">
+            <a:fld id="{4D7910E3-B4E7-4A02-80CB-1F653CC8B67B}" type="datetime1">
               <a:rPr lang="en-US" smtClean="0"/>
-              <a:t>1/28/2020</a:t>
+              <a:t>2/4/2022</a:t>
             </a:fld>
             <a:endParaRPr lang="en-US"/>
           </a:p>
@@ -1654,7 +1654,7 @@
           <a:p>
             <a:r>
               <a:rPr lang="en-US"/>
-              <a:t>Affable Learning</a:t>
+              <a:t>Prepared By Radha V Krishna</a:t>
             </a:r>
           </a:p>
         </p:txBody>
@@ -1901,9 +1901,9 @@
           <a:bodyPr/>
           <a:lstStyle/>
           <a:p>
-            <a:fld id="{B8182B73-DBCE-47DD-A98C-3F663462832E}" type="datetime1">
+            <a:fld id="{F7E4EED1-0AFD-42A9-B568-DD79CB9BB3EA}" type="datetime1">
               <a:rPr lang="en-US" smtClean="0"/>
-              <a:t>1/28/2020</a:t>
+              <a:t>2/4/2022</a:t>
             </a:fld>
             <a:endParaRPr lang="en-US"/>
           </a:p>
@@ -1926,7 +1926,7 @@
           <a:p>
             <a:r>
               <a:rPr lang="en-US"/>
-              <a:t>Affable Learning</a:t>
+              <a:t>Prepared By Radha V Krishna</a:t>
             </a:r>
           </a:p>
         </p:txBody>
@@ -2352,9 +2352,9 @@
           <a:bodyPr/>
           <a:lstStyle/>
           <a:p>
-            <a:fld id="{5404BBF4-61A1-4781-91F1-5A2F314FF1BA}" type="datetime1">
+            <a:fld id="{B1084A7E-3C96-4B6C-8A09-8C69D08FA921}" type="datetime1">
               <a:rPr lang="en-US" smtClean="0"/>
-              <a:t>1/28/2020</a:t>
+              <a:t>2/4/2022</a:t>
             </a:fld>
             <a:endParaRPr lang="en-US"/>
           </a:p>
@@ -2377,7 +2377,7 @@
           <a:p>
             <a:r>
               <a:rPr lang="en-US"/>
-              <a:t>Affable Learning</a:t>
+              <a:t>Prepared By Radha V Krishna</a:t>
             </a:r>
           </a:p>
         </p:txBody>
@@ -2505,9 +2505,9 @@
           <a:bodyPr/>
           <a:lstStyle/>
           <a:p>
-            <a:fld id="{B3E735E0-2482-4E25-BB7C-1B62C95700F6}" type="datetime1">
+            <a:fld id="{250892DC-0863-4244-A6EB-380E466FA466}" type="datetime1">
               <a:rPr lang="en-US" smtClean="0"/>
-              <a:t>1/28/2020</a:t>
+              <a:t>2/4/2022</a:t>
             </a:fld>
             <a:endParaRPr lang="en-US"/>
           </a:p>
@@ -2530,7 +2530,7 @@
           <a:p>
             <a:r>
               <a:rPr lang="en-US"/>
-              <a:t>Affable Learning</a:t>
+              <a:t>Prepared By Radha V Krishna</a:t>
             </a:r>
           </a:p>
         </p:txBody>
@@ -2604,9 +2604,9 @@
           <a:bodyPr/>
           <a:lstStyle/>
           <a:p>
-            <a:fld id="{912F3F1C-199B-4138-9731-E3E7715A7A46}" type="datetime1">
+            <a:fld id="{45B12F25-F713-448B-91E6-8F594B9366C5}" type="datetime1">
               <a:rPr lang="en-US" smtClean="0"/>
-              <a:t>1/28/2020</a:t>
+              <a:t>2/4/2022</a:t>
             </a:fld>
             <a:endParaRPr lang="en-US"/>
           </a:p>
@@ -2629,7 +2629,7 @@
           <a:p>
             <a:r>
               <a:rPr lang="en-US"/>
-              <a:t>Affable Learning</a:t>
+              <a:t>Prepared By Radha V Krishna</a:t>
             </a:r>
           </a:p>
         </p:txBody>
@@ -2861,9 +2861,9 @@
           <a:bodyPr/>
           <a:lstStyle/>
           <a:p>
-            <a:fld id="{5260690E-6AAE-470D-AA17-30E286F7CFA3}" type="datetime1">
+            <a:fld id="{5CF721A3-03E2-4272-A20F-0E9E29A8D4A8}" type="datetime1">
               <a:rPr lang="en-US" smtClean="0"/>
-              <a:t>1/28/2020</a:t>
+              <a:t>2/4/2022</a:t>
             </a:fld>
             <a:endParaRPr lang="en-US"/>
           </a:p>
@@ -2886,7 +2886,7 @@
           <a:p>
             <a:r>
               <a:rPr lang="en-US"/>
-              <a:t>Affable Learning</a:t>
+              <a:t>Prepared By Radha V Krishna</a:t>
             </a:r>
           </a:p>
         </p:txBody>
@@ -3310,9 +3310,9 @@
             </a:lvl1pPr>
           </a:lstStyle>
           <a:p>
-            <a:fld id="{EBF3104B-46FD-4317-92DC-4EEED677023B}" type="datetime1">
+            <a:fld id="{48502DAF-7CC6-4DB9-9246-8B8310262138}" type="datetime1">
               <a:rPr lang="en-US" smtClean="0"/>
-              <a:t>1/28/2020</a:t>
+              <a:t>2/4/2022</a:t>
             </a:fld>
             <a:endParaRPr lang="en-US"/>
           </a:p>
@@ -3340,7 +3340,7 @@
           <a:p>
             <a:r>
               <a:rPr lang="en-US"/>
-              <a:t>Affable Learning</a:t>
+              <a:t>Prepared By Radha V Krishna</a:t>
             </a:r>
           </a:p>
         </p:txBody>
@@ -3700,9 +3700,9 @@
             </a:lvl1pPr>
           </a:lstStyle>
           <a:p>
-            <a:fld id="{AE68B8B0-F62D-46AF-8F9E-3F0CBE0C99DE}" type="datetime1">
+            <a:fld id="{CBD5EA85-4380-480B-B163-414C71CCA0CB}" type="datetime1">
               <a:rPr lang="en-US" smtClean="0"/>
-              <a:t>1/28/2020</a:t>
+              <a:t>2/4/2022</a:t>
             </a:fld>
             <a:endParaRPr lang="en-US"/>
           </a:p>
@@ -3743,7 +3743,7 @@
           <a:p>
             <a:r>
               <a:rPr lang="en-US"/>
-              <a:t>Affable Learning</a:t>
+              <a:t>Prepared By Radha V Krishna</a:t>
             </a:r>
           </a:p>
         </p:txBody>
@@ -3809,7 +3809,7 @@
     <p:sldLayoutId id="2147483670" r:id="rId10"/>
     <p:sldLayoutId id="2147483671" r:id="rId11"/>
   </p:sldLayoutIdLst>
-  <p:hf sldNum="0" hdr="0" ftr="0" dt="0"/>
+  <p:hf sldNum="0" hdr="0" dt="0"/>
   <p:txStyles>
     <p:titleStyle>
       <a:lvl1pPr algn="l" defTabSz="685800" rtl="0" eaLnBrk="1" latinLnBrk="0" hangingPunct="1">
@@ -4200,6 +4200,34 @@
           </a:p>
         </p:txBody>
       </p:sp>
+      <p:sp>
+        <p:nvSpPr>
+          <p:cNvPr id="4" name="Footer Placeholder 3">
+            <a:extLst>
+              <a:ext uri="{FF2B5EF4-FFF2-40B4-BE49-F238E27FC236}">
+                <a16:creationId xmlns:a16="http://schemas.microsoft.com/office/drawing/2014/main" id="{58B0DCA0-904A-4281-8761-0DC383AA8D36}"/>
+              </a:ext>
+            </a:extLst>
+          </p:cNvPr>
+          <p:cNvSpPr>
+            <a:spLocks noGrp="1"/>
+          </p:cNvSpPr>
+          <p:nvPr>
+            <p:ph type="ftr" sz="quarter" idx="11"/>
+          </p:nvPr>
+        </p:nvSpPr>
+        <p:spPr/>
+        <p:txBody>
+          <a:bodyPr/>
+          <a:lstStyle/>
+          <a:p>
+            <a:r>
+              <a:rPr lang="en-US"/>
+              <a:t>Prepared By Radha V Krishna</a:t>
+            </a:r>
+          </a:p>
+        </p:txBody>
+      </p:sp>
     </p:spTree>
   </p:cSld>
   <p:clrMapOvr>
@@ -5206,6 +5234,34 @@
             <a:endParaRPr lang="en-IN" dirty="0">
               <a:latin typeface="+mj-lt"/>
             </a:endParaRPr>
+          </a:p>
+        </p:txBody>
+      </p:sp>
+      <p:sp>
+        <p:nvSpPr>
+          <p:cNvPr id="5" name="Footer Placeholder 4">
+            <a:extLst>
+              <a:ext uri="{FF2B5EF4-FFF2-40B4-BE49-F238E27FC236}">
+                <a16:creationId xmlns:a16="http://schemas.microsoft.com/office/drawing/2014/main" id="{F4F8143E-91DB-4623-9DAA-F66A2F3B547F}"/>
+              </a:ext>
+            </a:extLst>
+          </p:cNvPr>
+          <p:cNvSpPr>
+            <a:spLocks noGrp="1"/>
+          </p:cNvSpPr>
+          <p:nvPr>
+            <p:ph type="ftr" sz="quarter" idx="11"/>
+          </p:nvPr>
+        </p:nvSpPr>
+        <p:spPr/>
+        <p:txBody>
+          <a:bodyPr/>
+          <a:lstStyle/>
+          <a:p>
+            <a:r>
+              <a:rPr lang="en-US"/>
+              <a:t>Prepared By Radha V Krishna</a:t>
+            </a:r>
           </a:p>
         </p:txBody>
       </p:sp>
@@ -5435,20 +5491,103 @@
       </p:grpSpPr>
       <p:sp>
         <p:nvSpPr>
-          <p:cNvPr id="3" name="Rectangle 2">
+          <p:cNvPr id="3" name="TextBox 2">
             <a:extLst>
               <a:ext uri="{FF2B5EF4-FFF2-40B4-BE49-F238E27FC236}">
-                <a16:creationId xmlns:a16="http://schemas.microsoft.com/office/drawing/2014/main" id="{D840C6E1-0037-4A19-8FF8-D542C5356306}"/>
+                <a16:creationId xmlns:a16="http://schemas.microsoft.com/office/drawing/2014/main" id="{5BDB00EA-5EB2-42F1-8996-AAAC002B7DCE}"/>
               </a:ext>
             </a:extLst>
           </p:cNvPr>
-          <p:cNvSpPr/>
+          <p:cNvSpPr txBox="1"/>
           <p:nvPr/>
         </p:nvSpPr>
         <p:spPr>
           <a:xfrm>
-            <a:off x="1752600" y="152400"/>
-            <a:ext cx="4038600" cy="609600"/>
+            <a:off x="685800" y="1143001"/>
+            <a:ext cx="6629400" cy="1200329"/>
+          </a:xfrm>
+          <a:prstGeom prst="rect">
+            <a:avLst/>
+          </a:prstGeom>
+          <a:noFill/>
+        </p:spPr>
+        <p:txBody>
+          <a:bodyPr wrap="square">
+            <a:spAutoFit/>
+          </a:bodyPr>
+          <a:lstStyle/>
+          <a:p>
+            <a:r>
+              <a:rPr lang="en-IN" dirty="0"/>
+              <a:t>&lt;dependency&gt;			&lt;</a:t>
+            </a:r>
+            <a:r>
+              <a:rPr lang="en-IN" dirty="0" err="1"/>
+              <a:t>groupId</a:t>
+            </a:r>
+            <a:r>
+              <a:rPr lang="en-IN" dirty="0"/>
+              <a:t>&gt;</a:t>
+            </a:r>
+            <a:r>
+              <a:rPr lang="en-IN" dirty="0" err="1"/>
+              <a:t>org.springframework.boot</a:t>
+            </a:r>
+            <a:r>
+              <a:rPr lang="en-IN" dirty="0"/>
+              <a:t>&lt;/</a:t>
+            </a:r>
+            <a:r>
+              <a:rPr lang="en-IN" dirty="0" err="1"/>
+              <a:t>groupId</a:t>
+            </a:r>
+            <a:r>
+              <a:rPr lang="en-IN" dirty="0"/>
+              <a:t>&gt;			&lt;</a:t>
+            </a:r>
+            <a:r>
+              <a:rPr lang="en-IN" dirty="0" err="1"/>
+              <a:t>artifactId</a:t>
+            </a:r>
+            <a:r>
+              <a:rPr lang="en-IN" dirty="0"/>
+              <a:t>&gt;spring-boot-starter-</a:t>
+            </a:r>
+            <a:r>
+              <a:rPr lang="en-IN" dirty="0" err="1"/>
+              <a:t>aop</a:t>
+            </a:r>
+            <a:r>
+              <a:rPr lang="en-IN" dirty="0"/>
+              <a:t>&lt;/</a:t>
+            </a:r>
+            <a:r>
+              <a:rPr lang="en-IN" dirty="0" err="1"/>
+              <a:t>artifactId</a:t>
+            </a:r>
+            <a:r>
+              <a:rPr lang="en-IN" dirty="0"/>
+              <a:t>&gt;		&lt;/dependency&gt;</a:t>
+            </a:r>
+          </a:p>
+        </p:txBody>
+      </p:sp>
+      <p:sp>
+        <p:nvSpPr>
+          <p:cNvPr id="4" name="TextBox 3">
+            <a:extLst>
+              <a:ext uri="{FF2B5EF4-FFF2-40B4-BE49-F238E27FC236}">
+                <a16:creationId xmlns:a16="http://schemas.microsoft.com/office/drawing/2014/main" id="{947EFE0E-C409-4434-809B-647500D48915}"/>
+              </a:ext>
+            </a:extLst>
+          </p:cNvPr>
+          <p:cNvSpPr txBox="1"/>
+          <p:nvPr/>
+        </p:nvSpPr>
+        <p:spPr>
+          <a:xfrm>
+            <a:off x="1600200" y="304800"/>
+            <a:ext cx="6096000" cy="646331"/>
           </a:xfrm>
           <a:prstGeom prst="rect">
             <a:avLst/>
@@ -5456,26 +5595,58 @@
         </p:spPr>
         <p:style>
           <a:lnRef idx="2">
-            <a:schemeClr val="accent6"/>
+            <a:schemeClr val="accent1">
+              <a:shade val="50000"/>
+            </a:schemeClr>
           </a:lnRef>
           <a:fillRef idx="1">
-            <a:schemeClr val="lt1"/>
+            <a:schemeClr val="accent1"/>
           </a:fillRef>
           <a:effectRef idx="0">
-            <a:schemeClr val="accent6"/>
+            <a:schemeClr val="accent1"/>
           </a:effectRef>
           <a:fontRef idx="minor">
-            <a:schemeClr val="dk1"/>
+            <a:schemeClr val="lt1"/>
           </a:fontRef>
         </p:style>
         <p:txBody>
-          <a:bodyPr rtlCol="0" anchor="ctr"/>
+          <a:bodyPr wrap="square" rtlCol="0">
+            <a:spAutoFit/>
+          </a:bodyPr>
           <a:lstStyle/>
           <a:p>
-            <a:pPr algn="ctr"/>
-            <a:r>
-              <a:rPr lang="en-IN" dirty="0"/>
-              <a:t>Point Cut Designators</a:t>
+            <a:r>
+              <a:rPr lang="en-US" dirty="0"/>
+              <a:t>In Spring boot add starter dependency , configuration not required</a:t>
+            </a:r>
+            <a:endParaRPr lang="en-IN" dirty="0"/>
+          </a:p>
+        </p:txBody>
+      </p:sp>
+      <p:sp>
+        <p:nvSpPr>
+          <p:cNvPr id="5" name="Footer Placeholder 4">
+            <a:extLst>
+              <a:ext uri="{FF2B5EF4-FFF2-40B4-BE49-F238E27FC236}">
+                <a16:creationId xmlns:a16="http://schemas.microsoft.com/office/drawing/2014/main" id="{459A62F3-6095-4B1A-BC33-C20A46DC5A82}"/>
+              </a:ext>
+            </a:extLst>
+          </p:cNvPr>
+          <p:cNvSpPr>
+            <a:spLocks noGrp="1"/>
+          </p:cNvSpPr>
+          <p:nvPr>
+            <p:ph type="ftr" sz="quarter" idx="11"/>
+          </p:nvPr>
+        </p:nvSpPr>
+        <p:spPr/>
+        <p:txBody>
+          <a:bodyPr/>
+          <a:lstStyle/>
+          <a:p>
+            <a:r>
+              <a:rPr lang="en-US"/>
+              <a:t>Prepared By Radha V Krishna</a:t>
             </a:r>
           </a:p>
         </p:txBody>
@@ -5483,7 +5654,7 @@
     </p:spTree>
     <p:extLst>
       <p:ext uri="{BB962C8B-B14F-4D97-AF65-F5344CB8AC3E}">
-        <p14:creationId xmlns:p14="http://schemas.microsoft.com/office/powerpoint/2010/main" val="3774358441"/>
+        <p14:creationId xmlns:p14="http://schemas.microsoft.com/office/powerpoint/2010/main" val="3713842860"/>
       </p:ext>
     </p:extLst>
   </p:cSld>
@@ -5594,6 +5765,34 @@
               <a:t> concerns in AOP literature.)</a:t>
             </a:r>
             <a:endParaRPr lang="en-US" i="1" dirty="0"/>
+          </a:p>
+        </p:txBody>
+      </p:sp>
+      <p:sp>
+        <p:nvSpPr>
+          <p:cNvPr id="4" name="Footer Placeholder 3">
+            <a:extLst>
+              <a:ext uri="{FF2B5EF4-FFF2-40B4-BE49-F238E27FC236}">
+                <a16:creationId xmlns:a16="http://schemas.microsoft.com/office/drawing/2014/main" id="{592B4B9B-2EEC-4A0D-B69E-1036E7639350}"/>
+              </a:ext>
+            </a:extLst>
+          </p:cNvPr>
+          <p:cNvSpPr>
+            <a:spLocks noGrp="1"/>
+          </p:cNvSpPr>
+          <p:nvPr>
+            <p:ph type="ftr" sz="quarter" idx="11"/>
+          </p:nvPr>
+        </p:nvSpPr>
+        <p:spPr/>
+        <p:txBody>
+          <a:bodyPr/>
+          <a:lstStyle/>
+          <a:p>
+            <a:r>
+              <a:rPr lang="en-US"/>
+              <a:t>Prepared By Radha V Krishna</a:t>
+            </a:r>
           </a:p>
         </p:txBody>
       </p:sp>
@@ -5978,6 +6177,34 @@
           </a:extLst>
         </p:spPr>
       </p:pic>
+      <p:sp>
+        <p:nvSpPr>
+          <p:cNvPr id="3" name="Footer Placeholder 2">
+            <a:extLst>
+              <a:ext uri="{FF2B5EF4-FFF2-40B4-BE49-F238E27FC236}">
+                <a16:creationId xmlns:a16="http://schemas.microsoft.com/office/drawing/2014/main" id="{8ADAE746-5728-486B-90EB-A2AAA2CCB32E}"/>
+              </a:ext>
+            </a:extLst>
+          </p:cNvPr>
+          <p:cNvSpPr>
+            <a:spLocks noGrp="1"/>
+          </p:cNvSpPr>
+          <p:nvPr>
+            <p:ph type="ftr" sz="quarter" idx="11"/>
+          </p:nvPr>
+        </p:nvSpPr>
+        <p:spPr/>
+        <p:txBody>
+          <a:bodyPr/>
+          <a:lstStyle/>
+          <a:p>
+            <a:r>
+              <a:rPr lang="en-US"/>
+              <a:t>Prepared By Radha V Krishna</a:t>
+            </a:r>
+          </a:p>
+        </p:txBody>
+      </p:sp>
     </p:spTree>
   </p:cSld>
   <p:clrMapOvr>
@@ -6700,6 +6927,34 @@
           </a:fontRef>
         </p:style>
       </p:cxnSp>
+      <p:sp>
+        <p:nvSpPr>
+          <p:cNvPr id="5" name="Footer Placeholder 4">
+            <a:extLst>
+              <a:ext uri="{FF2B5EF4-FFF2-40B4-BE49-F238E27FC236}">
+                <a16:creationId xmlns:a16="http://schemas.microsoft.com/office/drawing/2014/main" id="{6CA25643-ACC0-4F71-ABBE-55F0E71E8884}"/>
+              </a:ext>
+            </a:extLst>
+          </p:cNvPr>
+          <p:cNvSpPr>
+            <a:spLocks noGrp="1"/>
+          </p:cNvSpPr>
+          <p:nvPr>
+            <p:ph type="ftr" sz="quarter" idx="11"/>
+          </p:nvPr>
+        </p:nvSpPr>
+        <p:spPr/>
+        <p:txBody>
+          <a:bodyPr/>
+          <a:lstStyle/>
+          <a:p>
+            <a:r>
+              <a:rPr lang="en-US"/>
+              <a:t>Prepared By Radha V Krishna</a:t>
+            </a:r>
+          </a:p>
+        </p:txBody>
+      </p:sp>
     </p:spTree>
   </p:cSld>
   <p:clrMapOvr>
@@ -8374,6 +8629,34 @@
           </a:fontRef>
         </p:style>
       </p:cxnSp>
+      <p:sp>
+        <p:nvSpPr>
+          <p:cNvPr id="4" name="Footer Placeholder 3">
+            <a:extLst>
+              <a:ext uri="{FF2B5EF4-FFF2-40B4-BE49-F238E27FC236}">
+                <a16:creationId xmlns:a16="http://schemas.microsoft.com/office/drawing/2014/main" id="{074F5139-DEAF-4BC5-ADE7-B8AF87028988}"/>
+              </a:ext>
+            </a:extLst>
+          </p:cNvPr>
+          <p:cNvSpPr>
+            <a:spLocks noGrp="1"/>
+          </p:cNvSpPr>
+          <p:nvPr>
+            <p:ph type="ftr" sz="quarter" idx="11"/>
+          </p:nvPr>
+        </p:nvSpPr>
+        <p:spPr/>
+        <p:txBody>
+          <a:bodyPr/>
+          <a:lstStyle/>
+          <a:p>
+            <a:r>
+              <a:rPr lang="en-US"/>
+              <a:t>Prepared By Radha V Krishna</a:t>
+            </a:r>
+          </a:p>
+        </p:txBody>
+      </p:sp>
     </p:spTree>
     <p:extLst>
       <p:ext uri="{BB962C8B-B14F-4D97-AF65-F5344CB8AC3E}">
@@ -8486,6 +8769,34 @@
               <a:buNone/>
             </a:pPr>
             <a:endParaRPr lang="en-US" dirty="0"/>
+          </a:p>
+        </p:txBody>
+      </p:sp>
+      <p:sp>
+        <p:nvSpPr>
+          <p:cNvPr id="2" name="Footer Placeholder 1">
+            <a:extLst>
+              <a:ext uri="{FF2B5EF4-FFF2-40B4-BE49-F238E27FC236}">
+                <a16:creationId xmlns:a16="http://schemas.microsoft.com/office/drawing/2014/main" id="{8E4CFDB6-7C96-4CB2-9C73-D0B551E82E0F}"/>
+              </a:ext>
+            </a:extLst>
+          </p:cNvPr>
+          <p:cNvSpPr>
+            <a:spLocks noGrp="1"/>
+          </p:cNvSpPr>
+          <p:nvPr>
+            <p:ph type="ftr" sz="quarter" idx="11"/>
+          </p:nvPr>
+        </p:nvSpPr>
+        <p:spPr/>
+        <p:txBody>
+          <a:bodyPr/>
+          <a:lstStyle/>
+          <a:p>
+            <a:r>
+              <a:rPr lang="en-US"/>
+              <a:t>Prepared By Radha V Krishna</a:t>
+            </a:r>
           </a:p>
         </p:txBody>
       </p:sp>
@@ -9348,6 +9659,34 @@
           </a:p>
         </p:txBody>
       </p:sp>
+      <p:sp>
+        <p:nvSpPr>
+          <p:cNvPr id="4" name="Footer Placeholder 3">
+            <a:extLst>
+              <a:ext uri="{FF2B5EF4-FFF2-40B4-BE49-F238E27FC236}">
+                <a16:creationId xmlns:a16="http://schemas.microsoft.com/office/drawing/2014/main" id="{76BAD41C-927B-443E-AE57-F3CB1E86BB80}"/>
+              </a:ext>
+            </a:extLst>
+          </p:cNvPr>
+          <p:cNvSpPr>
+            <a:spLocks noGrp="1"/>
+          </p:cNvSpPr>
+          <p:nvPr>
+            <p:ph type="ftr" sz="quarter" idx="11"/>
+          </p:nvPr>
+        </p:nvSpPr>
+        <p:spPr/>
+        <p:txBody>
+          <a:bodyPr/>
+          <a:lstStyle/>
+          <a:p>
+            <a:r>
+              <a:rPr lang="en-US"/>
+              <a:t>Prepared By Radha V Krishna</a:t>
+            </a:r>
+          </a:p>
+        </p:txBody>
+      </p:sp>
     </p:spTree>
     <p:extLst>
       <p:ext uri="{BB962C8B-B14F-4D97-AF65-F5344CB8AC3E}">
@@ -10364,6 +10703,34 @@
             <a:r>
               <a:rPr lang="en-IN" dirty="0"/>
               <a:t>Advice types</a:t>
+            </a:r>
+          </a:p>
+        </p:txBody>
+      </p:sp>
+      <p:sp>
+        <p:nvSpPr>
+          <p:cNvPr id="5" name="Footer Placeholder 4">
+            <a:extLst>
+              <a:ext uri="{FF2B5EF4-FFF2-40B4-BE49-F238E27FC236}">
+                <a16:creationId xmlns:a16="http://schemas.microsoft.com/office/drawing/2014/main" id="{69CA928B-F206-4027-8F08-0DF795916006}"/>
+              </a:ext>
+            </a:extLst>
+          </p:cNvPr>
+          <p:cNvSpPr>
+            <a:spLocks noGrp="1"/>
+          </p:cNvSpPr>
+          <p:nvPr>
+            <p:ph type="ftr" sz="quarter" idx="11"/>
+          </p:nvPr>
+        </p:nvSpPr>
+        <p:spPr/>
+        <p:txBody>
+          <a:bodyPr/>
+          <a:lstStyle/>
+          <a:p>
+            <a:r>
+              <a:rPr lang="en-US"/>
+              <a:t>Prepared By Radha V Krishna</a:t>
             </a:r>
           </a:p>
         </p:txBody>
@@ -11111,6 +11478,34 @@
               <a:t>https://docs.spring.io/spring/docs/2.5.x/reference/aop.html</a:t>
             </a:r>
             <a:endParaRPr lang="en-IN" dirty="0"/>
+          </a:p>
+        </p:txBody>
+      </p:sp>
+      <p:sp>
+        <p:nvSpPr>
+          <p:cNvPr id="5" name="Footer Placeholder 4">
+            <a:extLst>
+              <a:ext uri="{FF2B5EF4-FFF2-40B4-BE49-F238E27FC236}">
+                <a16:creationId xmlns:a16="http://schemas.microsoft.com/office/drawing/2014/main" id="{DE38CA0B-26E4-40EB-A4BA-8C019CD05CAF}"/>
+              </a:ext>
+            </a:extLst>
+          </p:cNvPr>
+          <p:cNvSpPr>
+            <a:spLocks noGrp="1"/>
+          </p:cNvSpPr>
+          <p:nvPr>
+            <p:ph type="ftr" sz="quarter" idx="11"/>
+          </p:nvPr>
+        </p:nvSpPr>
+        <p:spPr/>
+        <p:txBody>
+          <a:bodyPr/>
+          <a:lstStyle/>
+          <a:p>
+            <a:r>
+              <a:rPr lang="en-US"/>
+              <a:t>Prepared By Radha V Krishna</a:t>
+            </a:r>
           </a:p>
         </p:txBody>
       </p:sp>
